--- a/Presentaciones/clase4.pptx
+++ b/Presentaciones/clase4.pptx
@@ -254,7 +254,7 @@
           <a:p>
             <a:fld id="{EA3B9BC2-0261-4E70-88E9-26C5029BCF43}" type="datetimeFigureOut">
               <a:rPr lang="es-MX" smtClean="0"/>
-              <a:t>13/10/2020</a:t>
+              <a:t>03/11/2020</a:t>
             </a:fld>
             <a:endParaRPr lang="es-MX"/>
           </a:p>
@@ -424,7 +424,7 @@
           <a:p>
             <a:fld id="{EA3B9BC2-0261-4E70-88E9-26C5029BCF43}" type="datetimeFigureOut">
               <a:rPr lang="es-MX" smtClean="0"/>
-              <a:t>13/10/2020</a:t>
+              <a:t>03/11/2020</a:t>
             </a:fld>
             <a:endParaRPr lang="es-MX"/>
           </a:p>
@@ -604,7 +604,7 @@
           <a:p>
             <a:fld id="{EA3B9BC2-0261-4E70-88E9-26C5029BCF43}" type="datetimeFigureOut">
               <a:rPr lang="es-MX" smtClean="0"/>
-              <a:t>13/10/2020</a:t>
+              <a:t>03/11/2020</a:t>
             </a:fld>
             <a:endParaRPr lang="es-MX"/>
           </a:p>
@@ -774,7 +774,7 @@
           <a:p>
             <a:fld id="{EA3B9BC2-0261-4E70-88E9-26C5029BCF43}" type="datetimeFigureOut">
               <a:rPr lang="es-MX" smtClean="0"/>
-              <a:t>13/10/2020</a:t>
+              <a:t>03/11/2020</a:t>
             </a:fld>
             <a:endParaRPr lang="es-MX"/>
           </a:p>
@@ -1020,7 +1020,7 @@
           <a:p>
             <a:fld id="{EA3B9BC2-0261-4E70-88E9-26C5029BCF43}" type="datetimeFigureOut">
               <a:rPr lang="es-MX" smtClean="0"/>
-              <a:t>13/10/2020</a:t>
+              <a:t>03/11/2020</a:t>
             </a:fld>
             <a:endParaRPr lang="es-MX"/>
           </a:p>
@@ -1252,7 +1252,7 @@
           <a:p>
             <a:fld id="{EA3B9BC2-0261-4E70-88E9-26C5029BCF43}" type="datetimeFigureOut">
               <a:rPr lang="es-MX" smtClean="0"/>
-              <a:t>13/10/2020</a:t>
+              <a:t>03/11/2020</a:t>
             </a:fld>
             <a:endParaRPr lang="es-MX"/>
           </a:p>
@@ -1619,7 +1619,7 @@
           <a:p>
             <a:fld id="{EA3B9BC2-0261-4E70-88E9-26C5029BCF43}" type="datetimeFigureOut">
               <a:rPr lang="es-MX" smtClean="0"/>
-              <a:t>13/10/2020</a:t>
+              <a:t>03/11/2020</a:t>
             </a:fld>
             <a:endParaRPr lang="es-MX"/>
           </a:p>
@@ -1737,7 +1737,7 @@
           <a:p>
             <a:fld id="{EA3B9BC2-0261-4E70-88E9-26C5029BCF43}" type="datetimeFigureOut">
               <a:rPr lang="es-MX" smtClean="0"/>
-              <a:t>13/10/2020</a:t>
+              <a:t>03/11/2020</a:t>
             </a:fld>
             <a:endParaRPr lang="es-MX"/>
           </a:p>
@@ -1832,7 +1832,7 @@
           <a:p>
             <a:fld id="{EA3B9BC2-0261-4E70-88E9-26C5029BCF43}" type="datetimeFigureOut">
               <a:rPr lang="es-MX" smtClean="0"/>
-              <a:t>13/10/2020</a:t>
+              <a:t>03/11/2020</a:t>
             </a:fld>
             <a:endParaRPr lang="es-MX"/>
           </a:p>
@@ -2109,7 +2109,7 @@
           <a:p>
             <a:fld id="{EA3B9BC2-0261-4E70-88E9-26C5029BCF43}" type="datetimeFigureOut">
               <a:rPr lang="es-MX" smtClean="0"/>
-              <a:t>13/10/2020</a:t>
+              <a:t>03/11/2020</a:t>
             </a:fld>
             <a:endParaRPr lang="es-MX"/>
           </a:p>
@@ -2362,7 +2362,7 @@
           <a:p>
             <a:fld id="{EA3B9BC2-0261-4E70-88E9-26C5029BCF43}" type="datetimeFigureOut">
               <a:rPr lang="es-MX" smtClean="0"/>
-              <a:t>13/10/2020</a:t>
+              <a:t>03/11/2020</a:t>
             </a:fld>
             <a:endParaRPr lang="es-MX"/>
           </a:p>
@@ -2585,7 +2585,7 @@
           <a:p>
             <a:fld id="{EA3B9BC2-0261-4E70-88E9-26C5029BCF43}" type="datetimeFigureOut">
               <a:rPr lang="es-MX" smtClean="0"/>
-              <a:t>13/10/2020</a:t>
+              <a:t>03/11/2020</a:t>
             </a:fld>
             <a:endParaRPr lang="es-MX"/>
           </a:p>
@@ -2976,6 +2976,20 @@
 <file path=ppt/slides/slide1.xml><?xml version="1.0" encoding="utf-8"?>
 <p:sld xmlns:a="http://schemas.openxmlformats.org/drawingml/2006/main" xmlns:r="http://schemas.openxmlformats.org/officeDocument/2006/relationships" xmlns:p="http://schemas.openxmlformats.org/presentationml/2006/main">
   <p:cSld>
+    <p:bg>
+      <p:bgPr>
+        <a:blipFill dpi="0" rotWithShape="1">
+          <a:blip r:embed="rId2">
+            <a:lum/>
+          </a:blip>
+          <a:srcRect/>
+          <a:stretch>
+            <a:fillRect t="-9000" b="-9000"/>
+          </a:stretch>
+        </a:blipFill>
+        <a:effectLst/>
+      </p:bgPr>
+    </p:bg>
     <p:spTree>
       <p:nvGrpSpPr>
         <p:cNvPr id="1" name=""/>
@@ -2999,7 +3013,7 @@
           <p:nvPr/>
         </p:nvPicPr>
         <p:blipFill rotWithShape="1">
-          <a:blip r:embed="rId2">
+          <a:blip r:embed="rId3">
             <a:clrChange>
               <a:clrFrom>
                 <a:srgbClr val="FFFFFF"/>
@@ -3188,7 +3202,7 @@
           <p:nvPr/>
         </p:nvPicPr>
         <p:blipFill rotWithShape="1">
-          <a:blip r:embed="rId3">
+          <a:blip r:embed="rId4">
             <a:clrChange>
               <a:clrFrom>
                 <a:srgbClr val="FFFFFF"/>
@@ -3399,7 +3413,7 @@
           <p:nvPr/>
         </p:nvPicPr>
         <p:blipFill rotWithShape="1">
-          <a:blip r:embed="rId4">
+          <a:blip r:embed="rId5">
             <a:extLst>
               <a:ext uri="{28A0092B-C50C-407E-A947-70E740481C1C}">
                 <a14:useLocalDpi xmlns:a14="http://schemas.microsoft.com/office/drawing/2010/main" val="0"/>
